--- a/slides/Tag-1_7-Git-Uebung.pptx
+++ b/slides/Tag-1_7-Git-Uebung.pptx
@@ -1336,7 +1336,7 @@
               <a:pPr algn="ctr">
                 <a:defRPr/>
               </a:pPr>
-              <a:t>06.06.2024</a:t>
+              <a:t>10.06.2024</a:t>
             </a:fld>
             <a:endParaRPr lang="de-DE" sz="1000" dirty="0">
               <a:solidFill>
@@ -9331,7 +9331,7 @@
               <a:rPr lang="de-DE" altLang="de-DE" dirty="0">
                 <a:latin typeface="Consolas" panose="020B0609020204030204" pitchFamily="49" charset="0"/>
               </a:rPr>
-              <a:t>*/</a:t>
+              <a:t>**/</a:t>
             </a:r>
             <a:r>
               <a:rPr lang="de-DE" altLang="de-DE" dirty="0" err="1">
@@ -9357,7 +9357,7 @@
               <a:rPr lang="de-DE" altLang="de-DE" dirty="0">
                 <a:latin typeface="Consolas" panose="020B0609020204030204" pitchFamily="49" charset="0"/>
               </a:rPr>
-              <a:t>*/bin/</a:t>
+              <a:t>**/bin/</a:t>
             </a:r>
           </a:p>
           <a:p>
@@ -10063,7 +10063,7 @@
             </a:r>
             <a:r>
               <a:rPr lang="de-DE" altLang="de-DE" dirty="0"/>
-              <a:t> hier leer sein.</a:t>
+              <a:t> hier leer bzw. nicht vorhanden sein.</a:t>
             </a:r>
           </a:p>
           <a:p>
@@ -10264,8 +10264,12 @@
               <a:buAutoNum type="arabicPeriod"/>
             </a:pPr>
             <a:r>
-              <a:rPr lang="de-DE" altLang="de-DE" dirty="0"/>
-              <a:t>Legen Sie im Ordner </a:t>
+              <a:rPr lang="de-DE" altLang="de-DE"/>
+              <a:t>Legen Sie erneut </a:t>
+            </a:r>
+            <a:r>
+              <a:rPr lang="de-DE" altLang="de-DE" dirty="0"/>
+              <a:t>den Ordner </a:t>
             </a:r>
             <a:r>
               <a:rPr lang="de-DE" altLang="de-DE" dirty="0" err="1">
@@ -10276,8 +10280,16 @@
               <a:t>features</a:t>
             </a:r>
             <a:r>
-              <a:rPr lang="de-DE" altLang="de-DE" dirty="0"/>
-              <a:t> eine Datei </a:t>
+              <a:rPr lang="de-DE" altLang="de-DE" dirty="0">
+                <a:solidFill>
+                  <a:srgbClr val="C00000"/>
+                </a:solidFill>
+              </a:rPr>
+              <a:t>, </a:t>
+            </a:r>
+            <a:r>
+              <a:rPr lang="de-DE" altLang="de-DE" dirty="0"/>
+              <a:t>sowie eine Datei </a:t>
             </a:r>
             <a:r>
               <a:rPr lang="de-DE" altLang="de-DE" dirty="0">
@@ -10323,7 +10335,7 @@
             </a:r>
             <a:r>
               <a:rPr lang="de-DE" altLang="de-DE" dirty="0"/>
-              <a:t> Ordner ist hier immer noch leer.</a:t>
+              <a:t> Ordner ist erneut nicht vorhanden oder leer.</a:t>
             </a:r>
           </a:p>
           <a:p>
